--- a/Stock Management,Profit & Loss (1).pptx
+++ b/Stock Management,Profit & Loss (1).pptx
@@ -227,7 +227,7 @@
           <a:p>
             <a:fld id="{8EF73AD0-5C9F-4049-8C29-661EAE66903C}" type="datetimeFigureOut">
               <a:rPr lang="en-IN" smtClean="0"/>
-              <a:t>01-06-2020</a:t>
+              <a:t>17/03/24</a:t>
             </a:fld>
             <a:endParaRPr lang="en-IN"/>
           </a:p>
@@ -566,7 +566,7 @@
           <a:p>
             <a:fld id="{895CD7C7-573D-41C4-96A5-F0EEA649897C}" type="datetime1">
               <a:rPr lang="en-IN" smtClean="0"/>
-              <a:t>01-06-2020</a:t>
+              <a:t>17/03/24</a:t>
             </a:fld>
             <a:endParaRPr lang="en-IN"/>
           </a:p>
@@ -1070,7 +1070,7 @@
           <a:p>
             <a:fld id="{6E142A92-844B-4659-9E04-F4D75178F875}" type="datetime1">
               <a:rPr lang="en-IN" smtClean="0"/>
-              <a:t>01-06-2020</a:t>
+              <a:t>17/03/24</a:t>
             </a:fld>
             <a:endParaRPr lang="en-IN"/>
           </a:p>
@@ -1377,7 +1377,7 @@
           <a:p>
             <a:fld id="{D537471D-0CA5-40CC-9394-872731CE3CA0}" type="datetime1">
               <a:rPr lang="en-IN" smtClean="0"/>
-              <a:t>01-06-2020</a:t>
+              <a:t>17/03/24</a:t>
             </a:fld>
             <a:endParaRPr lang="en-IN"/>
           </a:p>
@@ -1656,7 +1656,7 @@
           <a:p>
             <a:fld id="{44229BED-47DE-4910-B4E5-A13992ABE021}" type="datetime1">
               <a:rPr lang="en-IN" smtClean="0"/>
-              <a:t>01-06-2020</a:t>
+              <a:t>17/03/24</a:t>
             </a:fld>
             <a:endParaRPr lang="en-IN"/>
           </a:p>
@@ -2215,7 +2215,7 @@
           <a:p>
             <a:fld id="{73AA5B9A-6E6E-431B-8AA0-B00284A6AE2B}" type="datetime1">
               <a:rPr lang="en-IN" smtClean="0"/>
-              <a:t>01-06-2020</a:t>
+              <a:t>17/03/24</a:t>
             </a:fld>
             <a:endParaRPr lang="en-IN"/>
           </a:p>
@@ -2308,7 +2308,7 @@
           <a:p>
             <a:fld id="{D7FA5E80-0497-41A3-93E0-96260E91C85A}" type="datetime1">
               <a:rPr lang="en-IN" smtClean="0"/>
-              <a:t>01-06-2020</a:t>
+              <a:t>17/03/24</a:t>
             </a:fld>
             <a:endParaRPr lang="en-IN"/>
           </a:p>
@@ -3008,7 +3008,7 @@
           <a:p>
             <a:fld id="{08E70C65-57F3-4923-BF9A-0DFA96D52EAE}" type="datetime1">
               <a:rPr lang="en-IN" smtClean="0"/>
-              <a:t>01-06-2020</a:t>
+              <a:t>17/03/24</a:t>
             </a:fld>
             <a:endParaRPr lang="en-IN"/>
           </a:p>
@@ -3254,7 +3254,7 @@
           <a:p>
             <a:fld id="{44E67DBC-6BAE-476A-9AB3-B6CCD55F4E8D}" type="datetime1">
               <a:rPr lang="en-IN" smtClean="0"/>
-              <a:t>01-06-2020</a:t>
+              <a:t>17/03/24</a:t>
             </a:fld>
             <a:endParaRPr lang="en-IN"/>
           </a:p>
@@ -3477,7 +3477,7 @@
           <a:p>
             <a:fld id="{AAB8CD13-33DB-466B-8603-56E2D2B91757}" type="datetime1">
               <a:rPr lang="en-IN" smtClean="0"/>
-              <a:t>01-06-2020</a:t>
+              <a:t>17/03/24</a:t>
             </a:fld>
             <a:endParaRPr lang="en-IN"/>
           </a:p>
@@ -3753,7 +3753,7 @@
           <a:p>
             <a:fld id="{E90C6CA9-9845-4205-9739-9808EA49830A}" type="datetime1">
               <a:rPr lang="en-IN" smtClean="0"/>
-              <a:t>01-06-2020</a:t>
+              <a:t>17/03/24</a:t>
             </a:fld>
             <a:endParaRPr lang="en-IN"/>
           </a:p>
@@ -4041,7 +4041,7 @@
           <a:p>
             <a:fld id="{7328B00B-0CD7-42C7-8D38-792734064163}" type="datetime1">
               <a:rPr lang="en-IN" smtClean="0"/>
-              <a:t>01-06-2020</a:t>
+              <a:t>17/03/24</a:t>
             </a:fld>
             <a:endParaRPr lang="en-IN"/>
           </a:p>
@@ -4312,7 +4312,7 @@
           <a:p>
             <a:fld id="{D2119575-6E3C-472A-8D6B-0FBD2B0C61E7}" type="datetime1">
               <a:rPr lang="en-IN" smtClean="0"/>
-              <a:t>01-06-2020</a:t>
+              <a:t>17/03/24</a:t>
             </a:fld>
             <a:endParaRPr lang="en-IN"/>
           </a:p>
@@ -4819,51 +4819,12 @@
             <a:br>
               <a:rPr lang="en-IN" sz="4000" dirty="0"/>
             </a:br>
-            <a:r>
-              <a:rPr lang="en-IN" sz="1800" dirty="0"/>
-              <a:t>Project guide:			     		 Project Coordinator:</a:t>
-            </a:r>
             <a:br>
               <a:rPr lang="en-IN" sz="1800" dirty="0"/>
             </a:br>
             <a:r>
               <a:rPr lang="en-IN" sz="1800" dirty="0"/>
-              <a:t>Ms Eden </a:t>
-            </a:r>
-            <a:r>
-              <a:rPr lang="en-IN" sz="1800" dirty="0" err="1"/>
-              <a:t>Jesleen</a:t>
-            </a:r>
-            <a:r>
-              <a:rPr lang="en-IN" sz="1800" dirty="0"/>
-              <a:t> </a:t>
-            </a:r>
-            <a:r>
-              <a:rPr lang="en-IN" sz="1800" dirty="0" err="1"/>
-              <a:t>Sequeira</a:t>
-            </a:r>
-            <a:r>
-              <a:rPr lang="en-IN" sz="1800" dirty="0"/>
-              <a:t>		      		 Ms </a:t>
-            </a:r>
-            <a:r>
-              <a:rPr lang="en-IN" sz="1800" dirty="0" err="1"/>
-              <a:t>Lavina</a:t>
-            </a:r>
-            <a:r>
-              <a:rPr lang="en-IN" sz="1800" dirty="0"/>
-              <a:t> Jean </a:t>
-            </a:r>
-            <a:r>
-              <a:rPr lang="en-IN" sz="1800" dirty="0" err="1"/>
-              <a:t>D’silva</a:t>
-            </a:r>
-            <a:br>
-              <a:rPr lang="en-IN" sz="1800" dirty="0"/>
-            </a:br>
-            <a:r>
-              <a:rPr lang="en-IN" sz="1800" dirty="0"/>
-              <a:t>Assistant Professor, CSE            	      		 Assistant Professor, CSE</a:t>
+              <a:t>	      		</a:t>
             </a:r>
           </a:p>
         </p:txBody>
@@ -4888,10 +4849,7 @@
           <a:bodyPr/>
           <a:lstStyle/>
           <a:p>
-            <a:r>
-              <a:rPr lang="en-IN" dirty="0"/>
-              <a:t>Team members:</a:t>
-            </a:r>
+            <a:endParaRPr lang="en-IN" dirty="0"/>
           </a:p>
         </p:txBody>
       </p:sp>
@@ -4903,8 +4861,8 @@
         </p:nvSpPr>
         <p:spPr>
           <a:xfrm>
-            <a:off x="2091688" y="4941168"/>
-            <a:ext cx="7848872" cy="1200329"/>
+            <a:off x="3203848" y="4834026"/>
+            <a:ext cx="7848872" cy="1754326"/>
           </a:xfrm>
           <a:prstGeom prst="rect">
             <a:avLst/>
@@ -4917,14 +4875,7 @@
           </a:bodyPr>
           <a:lstStyle/>
           <a:p>
-            <a:r>
-              <a:rPr lang="en-IN" dirty="0" err="1"/>
-              <a:t>Adnaan</a:t>
-            </a:r>
-            <a:r>
-              <a:rPr lang="en-IN" dirty="0"/>
-              <a:t> 				4SO16CS007</a:t>
-            </a:r>
+            <a:endParaRPr lang="en-IN" dirty="0"/>
           </a:p>
           <a:p>
             <a:r>
@@ -4941,43 +4892,29 @@
             </a:r>
             <a:r>
               <a:rPr lang="en-IN" dirty="0"/>
-              <a:t>		4SO16CS057</a:t>
-            </a:r>
-          </a:p>
-          <a:p>
-            <a:r>
+              <a:t>	</a:t>
+            </a:r>
+            <a:br>
               <a:rPr lang="en-IN" dirty="0"/>
-              <a:t>Maxim Vishal </a:t>
-            </a:r>
-            <a:r>
-              <a:rPr lang="en-IN" dirty="0" err="1"/>
-              <a:t>Monteiro</a:t>
-            </a:r>
+            </a:br>
             <a:r>
               <a:rPr lang="en-IN" dirty="0"/>
-              <a:t>		4SO16CS060</a:t>
-            </a:r>
+              <a:t>A20521267 </a:t>
+            </a:r>
+          </a:p>
+          <a:p>
+            <a:endParaRPr lang="en-IN" dirty="0"/>
           </a:p>
           <a:p>
             <a:r>
               <a:rPr lang="en-IN" dirty="0"/>
-              <a:t>Mohammed </a:t>
-            </a:r>
-            <a:r>
-              <a:rPr lang="en-IN" dirty="0" err="1"/>
-              <a:t>Hakeeb</a:t>
-            </a:r>
+              <a:t>Illinois Institute of Technology </a:t>
+            </a:r>
+          </a:p>
+          <a:p>
             <a:r>
               <a:rPr lang="en-IN" dirty="0"/>
-              <a:t> </a:t>
-            </a:r>
-            <a:r>
-              <a:rPr lang="en-IN" dirty="0" err="1"/>
-              <a:t>Javid</a:t>
-            </a:r>
-            <a:r>
-              <a:rPr lang="en-IN" dirty="0"/>
-              <a:t>		4SO16CS064</a:t>
+              <a:t>	</a:t>
             </a:r>
           </a:p>
         </p:txBody>
@@ -10031,7 +9968,7 @@
         <p:spPr>
           <a:xfrm>
             <a:off x="683568" y="441538"/>
-            <a:ext cx="8280920" cy="5078313"/>
+            <a:ext cx="8280920" cy="4585871"/>
           </a:xfrm>
           <a:prstGeom prst="rect">
             <a:avLst/>
@@ -10078,12 +10015,6 @@
           </a:p>
           <a:p>
             <a:endParaRPr lang="en-IN" sz="2000" dirty="0"/>
-          </a:p>
-          <a:p>
-            <a:r>
-              <a:rPr lang="en-IN" sz="2400" b="1" dirty="0"/>
-              <a:t>Objective :</a:t>
-            </a:r>
           </a:p>
           <a:p>
             <a:endParaRPr lang="en-IN" sz="2000" dirty="0"/>
